--- a/docs/songs/servant king.pptx
+++ b/docs/songs/servant king.pptx
@@ -216,7 +216,7 @@
           <a:p>
             <a:fld id="{C57EAEFC-A9C7-464E-BE3F-33D4DD72E122}" type="datetimeFigureOut">
               <a:rPr lang="en-GB" smtClean="0"/>
-              <a:t>17/11/2024</a:t>
+              <a:t>05/06/2025</a:t>
             </a:fld>
             <a:endParaRPr lang="en-GB"/>
           </a:p>
@@ -666,7 +666,7 @@
             <a:fld id="{26EA1CF3-4A15-4CBF-9A5A-6A56C368BE71}" type="datetimeFigureOut">
               <a:rPr lang="en-GB" smtClean="0"/>
               <a:pPr/>
-              <a:t>17/11/2024</a:t>
+              <a:t>05/06/2025</a:t>
             </a:fld>
             <a:endParaRPr lang="en-GB"/>
           </a:p>
@@ -833,7 +833,7 @@
             <a:fld id="{26EA1CF3-4A15-4CBF-9A5A-6A56C368BE71}" type="datetimeFigureOut">
               <a:rPr lang="en-GB" smtClean="0"/>
               <a:pPr/>
-              <a:t>17/11/2024</a:t>
+              <a:t>05/06/2025</a:t>
             </a:fld>
             <a:endParaRPr lang="en-GB"/>
           </a:p>
@@ -1010,7 +1010,7 @@
             <a:fld id="{26EA1CF3-4A15-4CBF-9A5A-6A56C368BE71}" type="datetimeFigureOut">
               <a:rPr lang="en-GB" smtClean="0"/>
               <a:pPr/>
-              <a:t>17/11/2024</a:t>
+              <a:t>05/06/2025</a:t>
             </a:fld>
             <a:endParaRPr lang="en-GB"/>
           </a:p>
@@ -1177,7 +1177,7 @@
             <a:fld id="{26EA1CF3-4A15-4CBF-9A5A-6A56C368BE71}" type="datetimeFigureOut">
               <a:rPr lang="en-GB" smtClean="0"/>
               <a:pPr/>
-              <a:t>17/11/2024</a:t>
+              <a:t>05/06/2025</a:t>
             </a:fld>
             <a:endParaRPr lang="en-GB"/>
           </a:p>
@@ -1420,7 +1420,7 @@
             <a:fld id="{26EA1CF3-4A15-4CBF-9A5A-6A56C368BE71}" type="datetimeFigureOut">
               <a:rPr lang="en-GB" smtClean="0"/>
               <a:pPr/>
-              <a:t>17/11/2024</a:t>
+              <a:t>05/06/2025</a:t>
             </a:fld>
             <a:endParaRPr lang="en-GB"/>
           </a:p>
@@ -1705,7 +1705,7 @@
             <a:fld id="{26EA1CF3-4A15-4CBF-9A5A-6A56C368BE71}" type="datetimeFigureOut">
               <a:rPr lang="en-GB" smtClean="0"/>
               <a:pPr/>
-              <a:t>17/11/2024</a:t>
+              <a:t>05/06/2025</a:t>
             </a:fld>
             <a:endParaRPr lang="en-GB"/>
           </a:p>
@@ -2124,7 +2124,7 @@
             <a:fld id="{26EA1CF3-4A15-4CBF-9A5A-6A56C368BE71}" type="datetimeFigureOut">
               <a:rPr lang="en-GB" smtClean="0"/>
               <a:pPr/>
-              <a:t>17/11/2024</a:t>
+              <a:t>05/06/2025</a:t>
             </a:fld>
             <a:endParaRPr lang="en-GB"/>
           </a:p>
@@ -2239,7 +2239,7 @@
             <a:fld id="{26EA1CF3-4A15-4CBF-9A5A-6A56C368BE71}" type="datetimeFigureOut">
               <a:rPr lang="en-GB" smtClean="0"/>
               <a:pPr/>
-              <a:t>17/11/2024</a:t>
+              <a:t>05/06/2025</a:t>
             </a:fld>
             <a:endParaRPr lang="en-GB"/>
           </a:p>
@@ -2331,7 +2331,7 @@
             <a:fld id="{26EA1CF3-4A15-4CBF-9A5A-6A56C368BE71}" type="datetimeFigureOut">
               <a:rPr lang="en-GB" smtClean="0"/>
               <a:pPr/>
-              <a:t>17/11/2024</a:t>
+              <a:t>05/06/2025</a:t>
             </a:fld>
             <a:endParaRPr lang="en-GB"/>
           </a:p>
@@ -2605,7 +2605,7 @@
             <a:fld id="{26EA1CF3-4A15-4CBF-9A5A-6A56C368BE71}" type="datetimeFigureOut">
               <a:rPr lang="en-GB" smtClean="0"/>
               <a:pPr/>
-              <a:t>17/11/2024</a:t>
+              <a:t>05/06/2025</a:t>
             </a:fld>
             <a:endParaRPr lang="en-GB"/>
           </a:p>
@@ -2855,7 +2855,7 @@
             <a:fld id="{26EA1CF3-4A15-4CBF-9A5A-6A56C368BE71}" type="datetimeFigureOut">
               <a:rPr lang="en-GB" smtClean="0"/>
               <a:pPr/>
-              <a:t>17/11/2024</a:t>
+              <a:t>05/06/2025</a:t>
             </a:fld>
             <a:endParaRPr lang="en-GB"/>
           </a:p>
@@ -3064,7 +3064,7 @@
             <a:fld id="{26EA1CF3-4A15-4CBF-9A5A-6A56C368BE71}" type="datetimeFigureOut">
               <a:rPr lang="en-GB" smtClean="0"/>
               <a:pPr/>
-              <a:t>17/11/2024</a:t>
+              <a:t>05/06/2025</a:t>
             </a:fld>
             <a:endParaRPr lang="en-GB"/>
           </a:p>
@@ -3736,17 +3736,7 @@
           <a:lstStyle/>
           <a:p>
             <a:r>
-              <a:rPr lang="en-GB" sz="4400" b="1" dirty="0">
-                <a:solidFill>
-                  <a:schemeClr val="bg1"/>
-                </a:solidFill>
-              </a:rPr>
-              <a:t>Verse 1</a:t>
-            </a:r>
-          </a:p>
-          <a:p>
-            <a:r>
-              <a:rPr lang="en-GB" sz="4400" dirty="0">
+              <a:rPr lang="en-GB" sz="3600" dirty="0">
                 <a:solidFill>
                   <a:schemeClr val="bg1"/>
                 </a:solidFill>
@@ -3754,7 +3744,7 @@
               <a:t>From </a:t>
             </a:r>
             <a:r>
-              <a:rPr lang="en-GB" sz="4400" dirty="0" err="1">
+              <a:rPr lang="en-GB" sz="3600" dirty="0" err="1">
                 <a:solidFill>
                   <a:schemeClr val="bg1"/>
                 </a:solidFill>
@@ -3762,7 +3752,7 @@
               <a:t>heav'n</a:t>
             </a:r>
             <a:r>
-              <a:rPr lang="en-GB" sz="4400" dirty="0">
+              <a:rPr lang="en-GB" sz="3600" dirty="0">
                 <a:solidFill>
                   <a:schemeClr val="bg1"/>
                 </a:solidFill>
@@ -3772,7 +3762,7 @@
           </a:p>
           <a:p>
             <a:r>
-              <a:rPr lang="en-GB" sz="4400" dirty="0" err="1">
+              <a:rPr lang="en-GB" sz="3600" dirty="0" err="1">
                 <a:solidFill>
                   <a:schemeClr val="bg1"/>
                 </a:solidFill>
@@ -3780,7 +3770,7 @@
               <a:t>Enter'd</a:t>
             </a:r>
             <a:r>
-              <a:rPr lang="en-GB" sz="4400" dirty="0">
+              <a:rPr lang="en-GB" sz="3600" dirty="0">
                 <a:solidFill>
                   <a:schemeClr val="bg1"/>
                 </a:solidFill>
@@ -3788,14 +3778,14 @@
               <a:t> our world Your glory </a:t>
             </a:r>
             <a:r>
-              <a:rPr lang="en-GB" sz="4400" dirty="0" err="1">
+              <a:rPr lang="en-GB" sz="3600" dirty="0" err="1">
                 <a:solidFill>
                   <a:schemeClr val="bg1"/>
                 </a:solidFill>
               </a:rPr>
               <a:t>veil'd</a:t>
             </a:r>
-            <a:endParaRPr lang="en-GB" sz="4400" dirty="0">
+            <a:endParaRPr lang="en-GB" sz="3600" dirty="0">
               <a:solidFill>
                 <a:schemeClr val="bg1"/>
               </a:solidFill>
@@ -3803,7 +3793,7 @@
           </a:p>
           <a:p>
             <a:r>
-              <a:rPr lang="en-GB" sz="4400" dirty="0">
+              <a:rPr lang="en-GB" sz="3600" dirty="0">
                 <a:solidFill>
                   <a:schemeClr val="bg1"/>
                 </a:solidFill>
@@ -3813,7 +3803,7 @@
           </a:p>
           <a:p>
             <a:r>
-              <a:rPr lang="en-GB" sz="4400" dirty="0">
+              <a:rPr lang="en-GB" sz="3600" dirty="0">
                 <a:solidFill>
                   <a:schemeClr val="bg1"/>
                 </a:solidFill>
@@ -3921,17 +3911,7 @@
           <a:lstStyle/>
           <a:p>
             <a:r>
-              <a:rPr lang="en-GB" sz="4400" b="1" dirty="0">
-                <a:solidFill>
-                  <a:schemeClr val="bg1"/>
-                </a:solidFill>
-              </a:rPr>
-              <a:t>Chorus</a:t>
-            </a:r>
-          </a:p>
-          <a:p>
-            <a:r>
-              <a:rPr lang="en-GB" sz="4400" dirty="0">
+              <a:rPr lang="en-GB" sz="3600" dirty="0">
                 <a:solidFill>
                   <a:schemeClr val="bg1"/>
                 </a:solidFill>
@@ -3941,7 +3921,7 @@
           </a:p>
           <a:p>
             <a:r>
-              <a:rPr lang="en-GB" sz="4400" dirty="0">
+              <a:rPr lang="en-GB" sz="3600" dirty="0">
                 <a:solidFill>
                   <a:schemeClr val="bg1"/>
                 </a:solidFill>
@@ -3951,7 +3931,7 @@
           </a:p>
           <a:p>
             <a:r>
-              <a:rPr lang="en-GB" sz="4400" dirty="0">
+              <a:rPr lang="en-GB" sz="3600" dirty="0">
                 <a:solidFill>
                   <a:schemeClr val="bg1"/>
                 </a:solidFill>
@@ -3961,7 +3941,7 @@
           </a:p>
           <a:p>
             <a:r>
-              <a:rPr lang="en-GB" sz="4400" dirty="0">
+              <a:rPr lang="en-GB" sz="3600" dirty="0">
                 <a:solidFill>
                   <a:schemeClr val="bg1"/>
                 </a:solidFill>
@@ -4075,17 +4055,7 @@
           <a:lstStyle/>
           <a:p>
             <a:r>
-              <a:rPr lang="en-GB" sz="4400" b="1" dirty="0">
-                <a:solidFill>
-                  <a:schemeClr val="bg1"/>
-                </a:solidFill>
-              </a:rPr>
-              <a:t>Verse 2</a:t>
-            </a:r>
-          </a:p>
-          <a:p>
-            <a:r>
-              <a:rPr lang="en-GB" sz="4400" dirty="0">
+              <a:rPr lang="en-GB" sz="3600" dirty="0">
                 <a:solidFill>
                   <a:schemeClr val="bg1"/>
                 </a:solidFill>
@@ -4095,7 +4065,7 @@
           </a:p>
           <a:p>
             <a:r>
-              <a:rPr lang="en-GB" sz="4400" dirty="0">
+              <a:rPr lang="en-GB" sz="3600" dirty="0">
                 <a:solidFill>
                   <a:schemeClr val="bg1"/>
                 </a:solidFill>
@@ -4105,7 +4075,7 @@
           </a:p>
           <a:p>
             <a:r>
-              <a:rPr lang="en-GB" sz="4400" dirty="0">
+              <a:rPr lang="en-GB" sz="3600" dirty="0">
                 <a:solidFill>
                   <a:schemeClr val="bg1"/>
                 </a:solidFill>
@@ -4115,7 +4085,7 @@
           </a:p>
           <a:p>
             <a:r>
-              <a:rPr lang="en-GB" sz="4400" dirty="0">
+              <a:rPr lang="en-GB" sz="3600" dirty="0">
                 <a:solidFill>
                   <a:schemeClr val="bg1"/>
                 </a:solidFill>
@@ -4229,17 +4199,7 @@
           <a:lstStyle/>
           <a:p>
             <a:r>
-              <a:rPr lang="en-GB" sz="4400" b="1" dirty="0">
-                <a:solidFill>
-                  <a:schemeClr val="bg1"/>
-                </a:solidFill>
-              </a:rPr>
-              <a:t>Chorus</a:t>
-            </a:r>
-          </a:p>
-          <a:p>
-            <a:r>
-              <a:rPr lang="en-GB" sz="4400" dirty="0">
+              <a:rPr lang="en-GB" sz="3600" dirty="0">
                 <a:solidFill>
                   <a:schemeClr val="bg1"/>
                 </a:solidFill>
@@ -4249,7 +4209,7 @@
           </a:p>
           <a:p>
             <a:r>
-              <a:rPr lang="en-GB" sz="4400" dirty="0">
+              <a:rPr lang="en-GB" sz="3600" dirty="0">
                 <a:solidFill>
                   <a:schemeClr val="bg1"/>
                 </a:solidFill>
@@ -4259,7 +4219,7 @@
           </a:p>
           <a:p>
             <a:r>
-              <a:rPr lang="en-GB" sz="4400" dirty="0">
+              <a:rPr lang="en-GB" sz="3600" dirty="0">
                 <a:solidFill>
                   <a:schemeClr val="bg1"/>
                 </a:solidFill>
@@ -4269,7 +4229,7 @@
           </a:p>
           <a:p>
             <a:r>
-              <a:rPr lang="en-GB" sz="4400" dirty="0">
+              <a:rPr lang="en-GB" sz="3600" dirty="0">
                 <a:solidFill>
                   <a:schemeClr val="bg1"/>
                 </a:solidFill>
@@ -4383,17 +4343,7 @@
           <a:lstStyle/>
           <a:p>
             <a:r>
-              <a:rPr lang="en-GB" sz="4400" b="1" dirty="0">
-                <a:solidFill>
-                  <a:schemeClr val="bg1"/>
-                </a:solidFill>
-              </a:rPr>
-              <a:t>Verse 3</a:t>
-            </a:r>
-          </a:p>
-          <a:p>
-            <a:r>
-              <a:rPr lang="en-GB" sz="4400" dirty="0">
+              <a:rPr lang="en-GB" sz="3600" dirty="0">
                 <a:solidFill>
                   <a:schemeClr val="bg1"/>
                 </a:solidFill>
@@ -4403,7 +4353,7 @@
           </a:p>
           <a:p>
             <a:r>
-              <a:rPr lang="en-GB" sz="4400" dirty="0">
+              <a:rPr lang="en-GB" sz="3600" dirty="0">
                 <a:solidFill>
                   <a:schemeClr val="bg1"/>
                 </a:solidFill>
@@ -4413,7 +4363,7 @@
           </a:p>
           <a:p>
             <a:r>
-              <a:rPr lang="en-GB" sz="4400" dirty="0">
+              <a:rPr lang="en-GB" sz="3600" dirty="0">
                 <a:solidFill>
                   <a:schemeClr val="bg1"/>
                 </a:solidFill>
@@ -4423,7 +4373,7 @@
           </a:p>
           <a:p>
             <a:r>
-              <a:rPr lang="en-GB" sz="4400" dirty="0">
+              <a:rPr lang="en-GB" sz="3600" dirty="0">
                 <a:solidFill>
                   <a:schemeClr val="bg1"/>
                 </a:solidFill>
@@ -4433,7 +4383,7 @@
           </a:p>
           <a:p>
             <a:r>
-              <a:rPr lang="en-GB" sz="4400" dirty="0">
+              <a:rPr lang="en-GB" sz="3600" dirty="0">
                 <a:solidFill>
                   <a:schemeClr val="bg1"/>
                 </a:solidFill>
@@ -4547,17 +4497,7 @@
           <a:lstStyle/>
           <a:p>
             <a:r>
-              <a:rPr lang="en-GB" sz="4400" b="1" dirty="0">
-                <a:solidFill>
-                  <a:schemeClr val="bg1"/>
-                </a:solidFill>
-              </a:rPr>
-              <a:t>Chorus</a:t>
-            </a:r>
-          </a:p>
-          <a:p>
-            <a:r>
-              <a:rPr lang="en-GB" sz="4400" dirty="0">
+              <a:rPr lang="en-GB" sz="3600" dirty="0">
                 <a:solidFill>
                   <a:schemeClr val="bg1"/>
                 </a:solidFill>
@@ -4567,7 +4507,7 @@
           </a:p>
           <a:p>
             <a:r>
-              <a:rPr lang="en-GB" sz="4400" dirty="0">
+              <a:rPr lang="en-GB" sz="3600" dirty="0">
                 <a:solidFill>
                   <a:schemeClr val="bg1"/>
                 </a:solidFill>
@@ -4577,7 +4517,7 @@
           </a:p>
           <a:p>
             <a:r>
-              <a:rPr lang="en-GB" sz="4400" dirty="0">
+              <a:rPr lang="en-GB" sz="3600" dirty="0">
                 <a:solidFill>
                   <a:schemeClr val="bg1"/>
                 </a:solidFill>
@@ -4587,7 +4527,7 @@
           </a:p>
           <a:p>
             <a:r>
-              <a:rPr lang="en-GB" sz="4400" dirty="0">
+              <a:rPr lang="en-GB" sz="3600" dirty="0">
                 <a:solidFill>
                   <a:schemeClr val="bg1"/>
                 </a:solidFill>
@@ -4701,17 +4641,7 @@
           <a:lstStyle/>
           <a:p>
             <a:r>
-              <a:rPr lang="en-GB" sz="4400" b="1" dirty="0">
-                <a:solidFill>
-                  <a:schemeClr val="bg1"/>
-                </a:solidFill>
-              </a:rPr>
-              <a:t>Verse 4</a:t>
-            </a:r>
-          </a:p>
-          <a:p>
-            <a:r>
-              <a:rPr lang="en-GB" sz="4400" dirty="0">
+              <a:rPr lang="en-GB" sz="3600" dirty="0">
                 <a:solidFill>
                   <a:schemeClr val="bg1"/>
                 </a:solidFill>
@@ -4721,7 +4651,7 @@
           </a:p>
           <a:p>
             <a:r>
-              <a:rPr lang="en-GB" sz="4400" dirty="0">
+              <a:rPr lang="en-GB" sz="3600" dirty="0">
                 <a:solidFill>
                   <a:schemeClr val="bg1"/>
                 </a:solidFill>
@@ -4731,7 +4661,7 @@
           </a:p>
           <a:p>
             <a:r>
-              <a:rPr lang="en-GB" sz="4400" dirty="0">
+              <a:rPr lang="en-GB" sz="3600" dirty="0">
                 <a:solidFill>
                   <a:schemeClr val="bg1"/>
                 </a:solidFill>
@@ -4741,7 +4671,7 @@
           </a:p>
           <a:p>
             <a:r>
-              <a:rPr lang="en-GB" sz="4400" dirty="0">
+              <a:rPr lang="en-GB" sz="3600" dirty="0">
                 <a:solidFill>
                   <a:schemeClr val="bg1"/>
                 </a:solidFill>
@@ -4855,17 +4785,7 @@
           <a:lstStyle/>
           <a:p>
             <a:r>
-              <a:rPr lang="en-GB" sz="4400" b="1" dirty="0">
-                <a:solidFill>
-                  <a:schemeClr val="bg1"/>
-                </a:solidFill>
-              </a:rPr>
-              <a:t>Chorus</a:t>
-            </a:r>
-          </a:p>
-          <a:p>
-            <a:r>
-              <a:rPr lang="en-GB" sz="4400" dirty="0">
+              <a:rPr lang="en-GB" sz="3600" dirty="0">
                 <a:solidFill>
                   <a:schemeClr val="bg1"/>
                 </a:solidFill>
@@ -4875,7 +4795,7 @@
           </a:p>
           <a:p>
             <a:r>
-              <a:rPr lang="en-GB" sz="4400" dirty="0">
+              <a:rPr lang="en-GB" sz="3600" dirty="0">
                 <a:solidFill>
                   <a:schemeClr val="bg1"/>
                 </a:solidFill>
@@ -4885,7 +4805,7 @@
           </a:p>
           <a:p>
             <a:r>
-              <a:rPr lang="en-GB" sz="4400" dirty="0">
+              <a:rPr lang="en-GB" sz="3600" dirty="0">
                 <a:solidFill>
                   <a:schemeClr val="bg1"/>
                 </a:solidFill>
@@ -4895,7 +4815,7 @@
           </a:p>
           <a:p>
             <a:r>
-              <a:rPr lang="en-GB" sz="4400" dirty="0">
+              <a:rPr lang="en-GB" sz="3600" dirty="0">
                 <a:solidFill>
                   <a:schemeClr val="bg1"/>
                 </a:solidFill>
